--- a/ПМ3_Разработка модулей_ПО/2 Асинхронное программирование/lectures/PowerPoint/8_Основы асинхронности и стек вызовов.pptx
+++ b/ПМ3_Разработка модулей_ПО/2 Асинхронное программирование/lectures/PowerPoint/8_Основы асинхронности и стек вызовов.pptx
@@ -12543,8 +12543,58 @@
           </a:p>
           <a:p>
             <a:r>
+              <a:rPr lang="ru-RU" dirty="0"/>
+              <a:t>3</a:t>
+            </a:r>
+            <a:r>
               <a:rPr lang="en-US" dirty="0"/>
-              <a:t>3. </a:t>
+              <a:t>. Render Queue (</a:t>
+            </a:r>
+            <a:r>
+              <a:rPr lang="ru-RU" dirty="0"/>
+              <a:t>отрисовка интерфейса). После выполнения </a:t>
+            </a:r>
+            <a:r>
+              <a:rPr lang="en-US" dirty="0"/>
+              <a:t>microtasks </a:t>
+            </a:r>
+            <a:r>
+              <a:rPr lang="ru-RU" dirty="0"/>
+              <a:t>и </a:t>
+            </a:r>
+            <a:r>
+              <a:rPr lang="ru-RU" dirty="0" err="1"/>
+              <a:t>макрозадачи</a:t>
+            </a:r>
+            <a:r>
+              <a:rPr lang="ru-RU" dirty="0"/>
+              <a:t>, браузер может обновить </a:t>
+            </a:r>
+            <a:r>
+              <a:rPr lang="en-US" dirty="0"/>
+              <a:t>UI.</a:t>
+            </a:r>
+            <a:r>
+              <a:rPr lang="ru-RU" dirty="0"/>
+              <a:t> Обычно происходит ~60 раз в секунду (каждые 16 мс). Если </a:t>
+            </a:r>
+            <a:r>
+              <a:rPr lang="en-US" dirty="0"/>
+              <a:t>microtasks </a:t>
+            </a:r>
+            <a:r>
+              <a:rPr lang="ru-RU" dirty="0"/>
+              <a:t>будут бесконечно добавляться, отрисовка может "зависнуть" (фриз интерфейса).</a:t>
+            </a:r>
+          </a:p>
+          <a:p>
+            <a:r>
+              <a:rPr lang="ru-RU" dirty="0"/>
+              <a:t>4</a:t>
+            </a:r>
+            <a:r>
+              <a:rPr lang="en-US" dirty="0"/>
+              <a:t>. </a:t>
             </a:r>
             <a:r>
               <a:rPr lang="en-US" dirty="0" err="1"/>
@@ -12613,48 +12663,6 @@
             <a:r>
               <a:rPr lang="ru-RU" dirty="0"/>
               <a:t>.</a:t>
-            </a:r>
-          </a:p>
-          <a:p>
-            <a:r>
-              <a:rPr lang="en-US" dirty="0"/>
-              <a:t>4. Render Queue (</a:t>
-            </a:r>
-            <a:r>
-              <a:rPr lang="ru-RU" dirty="0"/>
-              <a:t>отрисовка интерфейса). После выполнения </a:t>
-            </a:r>
-            <a:r>
-              <a:rPr lang="en-US" dirty="0"/>
-              <a:t>microtasks </a:t>
-            </a:r>
-            <a:r>
-              <a:rPr lang="ru-RU" dirty="0"/>
-              <a:t>и </a:t>
-            </a:r>
-            <a:r>
-              <a:rPr lang="ru-RU" dirty="0" err="1"/>
-              <a:t>макрозадачи</a:t>
-            </a:r>
-            <a:r>
-              <a:rPr lang="ru-RU" dirty="0"/>
-              <a:t>, браузер может обновить </a:t>
-            </a:r>
-            <a:r>
-              <a:rPr lang="en-US" dirty="0"/>
-              <a:t>UI.</a:t>
-            </a:r>
-            <a:r>
-              <a:rPr lang="ru-RU" dirty="0"/>
-              <a:t> Обычно происходит ~60 раз в секунду (каждые 16 мс). Если </a:t>
-            </a:r>
-            <a:r>
-              <a:rPr lang="en-US" dirty="0"/>
-              <a:t>microtasks </a:t>
-            </a:r>
-            <a:r>
-              <a:rPr lang="ru-RU" dirty="0"/>
-              <a:t>будут бесконечно добавляться, отрисовка может "зависнуть" (фриз интерфейса).</a:t>
             </a:r>
           </a:p>
         </p:txBody>
@@ -13090,23 +13098,15 @@
             </a:pPr>
             <a:r>
               <a:rPr lang="ru-RU" dirty="0"/>
-              <a:t>Взять </a:t>
-            </a:r>
-            <a:r>
-              <a:rPr lang="ru-RU" b="1" dirty="0"/>
-              <a:t>одну</a:t>
+              <a:t>Обновить интерфейс (</a:t>
+            </a:r>
+            <a:r>
+              <a:rPr lang="ru-RU" dirty="0" err="1"/>
+              <a:t>Render</a:t>
             </a:r>
             <a:r>
               <a:rPr lang="ru-RU" dirty="0"/>
               <a:t> </a:t>
-            </a:r>
-            <a:r>
-              <a:rPr lang="ru-RU" dirty="0" err="1"/>
-              <a:t>макрозадачу</a:t>
-            </a:r>
-            <a:r>
-              <a:rPr lang="ru-RU" dirty="0"/>
-              <a:t> (Task </a:t>
             </a:r>
             <a:r>
               <a:rPr lang="ru-RU" dirty="0" err="1"/>
@@ -13114,8 +13114,13 @@
             </a:r>
             <a:r>
               <a:rPr lang="ru-RU" dirty="0"/>
-              <a:t>).</a:t>
-            </a:r>
+              <a:t>) (</a:t>
+            </a:r>
+            <a:r>
+              <a:rPr lang="ru-RU"/>
+              <a:t>если необходимо).</a:t>
+            </a:r>
+            <a:endParaRPr lang="ru-RU" dirty="0"/>
           </a:p>
           <a:p>
             <a:pPr marL="457200" indent="-457200">
@@ -13124,15 +13129,23 @@
             </a:pPr>
             <a:r>
               <a:rPr lang="ru-RU" dirty="0"/>
-              <a:t>Обновить интерфейс (</a:t>
+              <a:t>Взять </a:t>
+            </a:r>
+            <a:r>
+              <a:rPr lang="ru-RU" b="1" dirty="0"/>
+              <a:t>одну</a:t>
+            </a:r>
+            <a:r>
+              <a:rPr lang="ru-RU" dirty="0"/>
+              <a:t> </a:t>
             </a:r>
             <a:r>
               <a:rPr lang="ru-RU" dirty="0" err="1"/>
-              <a:t>Render</a:t>
-            </a:r>
-            <a:r>
-              <a:rPr lang="ru-RU" dirty="0"/>
-              <a:t> </a:t>
+              <a:t>макрозадачу</a:t>
+            </a:r>
+            <a:r>
+              <a:rPr lang="ru-RU" dirty="0"/>
+              <a:t> (Task </a:t>
             </a:r>
             <a:r>
               <a:rPr lang="ru-RU" dirty="0" err="1"/>
